--- a/WPF project/design/GUI/GUI.pptx
+++ b/WPF project/design/GUI/GUI.pptx
@@ -8,6 +8,8 @@
     <p:sldId id="256" r:id="rId2"/>
     <p:sldId id="258" r:id="rId3"/>
     <p:sldId id="257" r:id="rId4"/>
+    <p:sldId id="259" r:id="rId5"/>
+    <p:sldId id="260" r:id="rId6"/>
   </p:sldIdLst>
   <p:sldSz cx="12192000" cy="6858000"/>
   <p:notesSz cx="6858000" cy="9144000"/>
@@ -106,6 +108,11 @@
       </a:defRPr>
     </a:lvl9pPr>
   </p:defaultTextStyle>
+  <p:extLst>
+    <p:ext uri="{EFAFB233-063F-42B5-8137-9DF3F51BA10A}">
+      <p15:sldGuideLst xmlns:p15="http://schemas.microsoft.com/office/powerpoint/2012/main"/>
+    </p:ext>
+  </p:extLst>
 </p:presentation>
 </file>
 
@@ -240,7 +247,7 @@
           <a:p>
             <a:fld id="{98C9FA10-73D7-4336-9A87-2A8AA749075F}" type="datetimeFigureOut">
               <a:rPr lang="ko-KR" altLang="en-US" smtClean="0"/>
-              <a:t>2018-01-04</a:t>
+              <a:t>2018-01-12</a:t>
             </a:fld>
             <a:endParaRPr lang="ko-KR" altLang="en-US"/>
           </a:p>
@@ -410,7 +417,7 @@
           <a:p>
             <a:fld id="{98C9FA10-73D7-4336-9A87-2A8AA749075F}" type="datetimeFigureOut">
               <a:rPr lang="ko-KR" altLang="en-US" smtClean="0"/>
-              <a:t>2018-01-04</a:t>
+              <a:t>2018-01-12</a:t>
             </a:fld>
             <a:endParaRPr lang="ko-KR" altLang="en-US"/>
           </a:p>
@@ -590,7 +597,7 @@
           <a:p>
             <a:fld id="{98C9FA10-73D7-4336-9A87-2A8AA749075F}" type="datetimeFigureOut">
               <a:rPr lang="ko-KR" altLang="en-US" smtClean="0"/>
-              <a:t>2018-01-04</a:t>
+              <a:t>2018-01-12</a:t>
             </a:fld>
             <a:endParaRPr lang="ko-KR" altLang="en-US"/>
           </a:p>
@@ -760,7 +767,7 @@
           <a:p>
             <a:fld id="{98C9FA10-73D7-4336-9A87-2A8AA749075F}" type="datetimeFigureOut">
               <a:rPr lang="ko-KR" altLang="en-US" smtClean="0"/>
-              <a:t>2018-01-04</a:t>
+              <a:t>2018-01-12</a:t>
             </a:fld>
             <a:endParaRPr lang="ko-KR" altLang="en-US"/>
           </a:p>
@@ -1006,7 +1013,7 @@
           <a:p>
             <a:fld id="{98C9FA10-73D7-4336-9A87-2A8AA749075F}" type="datetimeFigureOut">
               <a:rPr lang="ko-KR" altLang="en-US" smtClean="0"/>
-              <a:t>2018-01-04</a:t>
+              <a:t>2018-01-12</a:t>
             </a:fld>
             <a:endParaRPr lang="ko-KR" altLang="en-US"/>
           </a:p>
@@ -1238,7 +1245,7 @@
           <a:p>
             <a:fld id="{98C9FA10-73D7-4336-9A87-2A8AA749075F}" type="datetimeFigureOut">
               <a:rPr lang="ko-KR" altLang="en-US" smtClean="0"/>
-              <a:t>2018-01-04</a:t>
+              <a:t>2018-01-12</a:t>
             </a:fld>
             <a:endParaRPr lang="ko-KR" altLang="en-US"/>
           </a:p>
@@ -1605,7 +1612,7 @@
           <a:p>
             <a:fld id="{98C9FA10-73D7-4336-9A87-2A8AA749075F}" type="datetimeFigureOut">
               <a:rPr lang="ko-KR" altLang="en-US" smtClean="0"/>
-              <a:t>2018-01-04</a:t>
+              <a:t>2018-01-12</a:t>
             </a:fld>
             <a:endParaRPr lang="ko-KR" altLang="en-US"/>
           </a:p>
@@ -1723,7 +1730,7 @@
           <a:p>
             <a:fld id="{98C9FA10-73D7-4336-9A87-2A8AA749075F}" type="datetimeFigureOut">
               <a:rPr lang="ko-KR" altLang="en-US" smtClean="0"/>
-              <a:t>2018-01-04</a:t>
+              <a:t>2018-01-12</a:t>
             </a:fld>
             <a:endParaRPr lang="ko-KR" altLang="en-US"/>
           </a:p>
@@ -1818,7 +1825,7 @@
           <a:p>
             <a:fld id="{98C9FA10-73D7-4336-9A87-2A8AA749075F}" type="datetimeFigureOut">
               <a:rPr lang="ko-KR" altLang="en-US" smtClean="0"/>
-              <a:t>2018-01-04</a:t>
+              <a:t>2018-01-12</a:t>
             </a:fld>
             <a:endParaRPr lang="ko-KR" altLang="en-US"/>
           </a:p>
@@ -2095,7 +2102,7 @@
           <a:p>
             <a:fld id="{98C9FA10-73D7-4336-9A87-2A8AA749075F}" type="datetimeFigureOut">
               <a:rPr lang="ko-KR" altLang="en-US" smtClean="0"/>
-              <a:t>2018-01-04</a:t>
+              <a:t>2018-01-12</a:t>
             </a:fld>
             <a:endParaRPr lang="ko-KR" altLang="en-US"/>
           </a:p>
@@ -2348,7 +2355,7 @@
           <a:p>
             <a:fld id="{98C9FA10-73D7-4336-9A87-2A8AA749075F}" type="datetimeFigureOut">
               <a:rPr lang="ko-KR" altLang="en-US" smtClean="0"/>
-              <a:t>2018-01-04</a:t>
+              <a:t>2018-01-12</a:t>
             </a:fld>
             <a:endParaRPr lang="ko-KR" altLang="en-US"/>
           </a:p>
@@ -2561,7 +2568,7 @@
           <a:p>
             <a:fld id="{98C9FA10-73D7-4336-9A87-2A8AA749075F}" type="datetimeFigureOut">
               <a:rPr lang="ko-KR" altLang="en-US" smtClean="0"/>
-              <a:t>2018-01-04</a:t>
+              <a:t>2018-01-12</a:t>
             </a:fld>
             <a:endParaRPr lang="ko-KR" altLang="en-US"/>
           </a:p>
@@ -4478,6 +4485,524 @@
 </p:sld>
 </file>
 
+<file path=ppt/slides/slide4.xml><?xml version="1.0" encoding="utf-8"?>
+<p:sld xmlns:a="http://schemas.openxmlformats.org/drawingml/2006/main" xmlns:r="http://schemas.openxmlformats.org/officeDocument/2006/relationships" xmlns:p="http://schemas.openxmlformats.org/presentationml/2006/main">
+  <p:cSld>
+    <p:spTree>
+      <p:nvGrpSpPr>
+        <p:cNvPr id="1" name=""/>
+        <p:cNvGrpSpPr/>
+        <p:nvPr/>
+      </p:nvGrpSpPr>
+      <p:grpSpPr>
+        <a:xfrm>
+          <a:off x="0" y="0"/>
+          <a:ext cx="0" cy="0"/>
+          <a:chOff x="0" y="0"/>
+          <a:chExt cx="0" cy="0"/>
+        </a:xfrm>
+      </p:grpSpPr>
+      <p:pic>
+        <p:nvPicPr>
+          <p:cNvPr id="9" name="그림 8"/>
+          <p:cNvPicPr>
+            <a:picLocks noChangeAspect="1"/>
+          </p:cNvPicPr>
+          <p:nvPr/>
+        </p:nvPicPr>
+        <p:blipFill>
+          <a:blip r:embed="rId2"/>
+          <a:stretch>
+            <a:fillRect/>
+          </a:stretch>
+        </p:blipFill>
+        <p:spPr>
+          <a:xfrm>
+            <a:off x="4558999" y="1927309"/>
+            <a:ext cx="1121761" cy="1579001"/>
+          </a:xfrm>
+          <a:prstGeom prst="rect">
+            <a:avLst/>
+          </a:prstGeom>
+        </p:spPr>
+      </p:pic>
+      <p:pic>
+        <p:nvPicPr>
+          <p:cNvPr id="7" name="그림 6"/>
+          <p:cNvPicPr>
+            <a:picLocks noChangeAspect="1"/>
+          </p:cNvPicPr>
+          <p:nvPr/>
+        </p:nvPicPr>
+        <p:blipFill>
+          <a:blip r:embed="rId2"/>
+          <a:stretch>
+            <a:fillRect/>
+          </a:stretch>
+        </p:blipFill>
+        <p:spPr>
+          <a:xfrm>
+            <a:off x="3310901" y="1927309"/>
+            <a:ext cx="1121761" cy="1579001"/>
+          </a:xfrm>
+          <a:prstGeom prst="rect">
+            <a:avLst/>
+          </a:prstGeom>
+        </p:spPr>
+      </p:pic>
+      <p:sp>
+        <p:nvSpPr>
+          <p:cNvPr id="4" name="직사각형 3"/>
+          <p:cNvSpPr/>
+          <p:nvPr/>
+        </p:nvSpPr>
+        <p:spPr>
+          <a:xfrm>
+            <a:off x="1860705" y="3856777"/>
+            <a:ext cx="45719" cy="2646878"/>
+          </a:xfrm>
+          <a:prstGeom prst="rect">
+            <a:avLst/>
+          </a:prstGeom>
+          <a:noFill/>
+        </p:spPr>
+        <p:txBody>
+          <a:bodyPr wrap="square" lIns="91440" tIns="45720" rIns="91440" bIns="45720">
+            <a:spAutoFit/>
+          </a:bodyPr>
+          <a:lstStyle/>
+          <a:p>
+            <a:pPr algn="ctr"/>
+            <a:r>
+              <a:rPr lang="en-US" altLang="ko-KR" sz="16600" b="1" cap="none" spc="0" dirty="0" smtClean="0">
+                <a:ln w="13462">
+                  <a:solidFill>
+                    <a:schemeClr val="bg1"/>
+                  </a:solidFill>
+                  <a:prstDash val="solid"/>
+                </a:ln>
+                <a:solidFill>
+                  <a:schemeClr val="tx1">
+                    <a:lumMod val="85000"/>
+                    <a:lumOff val="15000"/>
+                  </a:schemeClr>
+                </a:solidFill>
+                <a:effectLst>
+                  <a:outerShdw dist="38100" dir="2700000" algn="bl" rotWithShape="0">
+                    <a:schemeClr val="accent5"/>
+                  </a:outerShdw>
+                </a:effectLst>
+              </a:rPr>
+              <a:t>P</a:t>
+            </a:r>
+            <a:endParaRPr lang="en-US" altLang="ko-KR" sz="16600" b="1" cap="none" spc="0" dirty="0">
+              <a:ln w="13462">
+                <a:solidFill>
+                  <a:schemeClr val="bg1"/>
+                </a:solidFill>
+                <a:prstDash val="solid"/>
+              </a:ln>
+              <a:solidFill>
+                <a:schemeClr val="tx1">
+                  <a:lumMod val="85000"/>
+                  <a:lumOff val="15000"/>
+                </a:schemeClr>
+              </a:solidFill>
+              <a:effectLst>
+                <a:outerShdw dist="38100" dir="2700000" algn="bl" rotWithShape="0">
+                  <a:schemeClr val="accent5"/>
+                </a:outerShdw>
+              </a:effectLst>
+            </a:endParaRPr>
+          </a:p>
+        </p:txBody>
+      </p:sp>
+      <p:sp>
+        <p:nvSpPr>
+          <p:cNvPr id="5" name="직사각형 4"/>
+          <p:cNvSpPr/>
+          <p:nvPr/>
+        </p:nvSpPr>
+        <p:spPr>
+          <a:xfrm>
+            <a:off x="1577614" y="2341170"/>
+            <a:ext cx="566181" cy="1569660"/>
+          </a:xfrm>
+          <a:prstGeom prst="rect">
+            <a:avLst/>
+          </a:prstGeom>
+        </p:spPr>
+        <p:txBody>
+          <a:bodyPr wrap="none">
+            <a:spAutoFit/>
+          </a:bodyPr>
+          <a:lstStyle/>
+          <a:p>
+            <a:pPr algn="ctr"/>
+            <a:r>
+              <a:rPr lang="en-US" altLang="ko-KR" sz="9600" b="1" dirty="0" smtClean="0">
+                <a:ln w="13462">
+                  <a:solidFill>
+                    <a:schemeClr val="bg1"/>
+                  </a:solidFill>
+                  <a:prstDash val="solid"/>
+                </a:ln>
+                <a:solidFill>
+                  <a:schemeClr val="tx1">
+                    <a:lumMod val="85000"/>
+                    <a:lumOff val="15000"/>
+                  </a:schemeClr>
+                </a:solidFill>
+                <a:effectLst>
+                  <a:outerShdw dist="38100" dir="2700000" algn="bl" rotWithShape="0">
+                    <a:schemeClr val="accent5"/>
+                  </a:outerShdw>
+                </a:effectLst>
+              </a:rPr>
+              <a:t>I</a:t>
+            </a:r>
+            <a:endParaRPr lang="en-US" altLang="ko-KR" sz="9600" b="1" dirty="0">
+              <a:ln w="13462">
+                <a:solidFill>
+                  <a:schemeClr val="bg1"/>
+                </a:solidFill>
+                <a:prstDash val="solid"/>
+              </a:ln>
+              <a:solidFill>
+                <a:schemeClr val="tx1">
+                  <a:lumMod val="85000"/>
+                  <a:lumOff val="15000"/>
+                </a:schemeClr>
+              </a:solidFill>
+              <a:effectLst>
+                <a:outerShdw dist="38100" dir="2700000" algn="bl" rotWithShape="0">
+                  <a:schemeClr val="accent5"/>
+                </a:outerShdw>
+              </a:effectLst>
+            </a:endParaRPr>
+          </a:p>
+        </p:txBody>
+      </p:sp>
+      <p:pic>
+        <p:nvPicPr>
+          <p:cNvPr id="10" name="그림 9"/>
+          <p:cNvPicPr>
+            <a:picLocks noChangeAspect="1"/>
+          </p:cNvPicPr>
+          <p:nvPr/>
+        </p:nvPicPr>
+        <p:blipFill>
+          <a:blip r:embed="rId3"/>
+          <a:stretch>
+            <a:fillRect/>
+          </a:stretch>
+        </p:blipFill>
+        <p:spPr>
+          <a:xfrm>
+            <a:off x="4120381" y="2662664"/>
+            <a:ext cx="371888" cy="926672"/>
+          </a:xfrm>
+          <a:prstGeom prst="rect">
+            <a:avLst/>
+          </a:prstGeom>
+        </p:spPr>
+      </p:pic>
+      <p:pic>
+        <p:nvPicPr>
+          <p:cNvPr id="8" name="그림 7"/>
+          <p:cNvPicPr>
+            <a:picLocks noChangeAspect="1"/>
+          </p:cNvPicPr>
+          <p:nvPr/>
+        </p:nvPicPr>
+        <p:blipFill>
+          <a:blip r:embed="rId2"/>
+          <a:stretch>
+            <a:fillRect/>
+          </a:stretch>
+        </p:blipFill>
+        <p:spPr>
+          <a:xfrm>
+            <a:off x="4499392" y="1973207"/>
+            <a:ext cx="1121761" cy="1579001"/>
+          </a:xfrm>
+          <a:prstGeom prst="rect">
+            <a:avLst/>
+          </a:prstGeom>
+        </p:spPr>
+      </p:pic>
+    </p:spTree>
+    <p:extLst>
+      <p:ext uri="{BB962C8B-B14F-4D97-AF65-F5344CB8AC3E}">
+        <p14:creationId xmlns:p14="http://schemas.microsoft.com/office/powerpoint/2010/main" val="325205056"/>
+      </p:ext>
+    </p:extLst>
+  </p:cSld>
+  <p:clrMapOvr>
+    <a:masterClrMapping/>
+  </p:clrMapOvr>
+</p:sld>
+</file>
+
+<file path=ppt/slides/slide5.xml><?xml version="1.0" encoding="utf-8"?>
+<p:sld xmlns:a="http://schemas.openxmlformats.org/drawingml/2006/main" xmlns:r="http://schemas.openxmlformats.org/officeDocument/2006/relationships" xmlns:p="http://schemas.openxmlformats.org/presentationml/2006/main">
+  <p:cSld>
+    <p:spTree>
+      <p:nvGrpSpPr>
+        <p:cNvPr id="1" name=""/>
+        <p:cNvGrpSpPr/>
+        <p:nvPr/>
+      </p:nvGrpSpPr>
+      <p:grpSpPr>
+        <a:xfrm>
+          <a:off x="0" y="0"/>
+          <a:ext cx="0" cy="0"/>
+          <a:chOff x="0" y="0"/>
+          <a:chExt cx="0" cy="0"/>
+        </a:xfrm>
+      </p:grpSpPr>
+      <p:pic>
+        <p:nvPicPr>
+          <p:cNvPr id="9" name="그림 8"/>
+          <p:cNvPicPr>
+            <a:picLocks noChangeAspect="1"/>
+          </p:cNvPicPr>
+          <p:nvPr/>
+        </p:nvPicPr>
+        <p:blipFill>
+          <a:blip r:embed="rId2"/>
+          <a:stretch>
+            <a:fillRect/>
+          </a:stretch>
+        </p:blipFill>
+        <p:spPr>
+          <a:xfrm>
+            <a:off x="4558999" y="1927309"/>
+            <a:ext cx="1121761" cy="1579001"/>
+          </a:xfrm>
+          <a:prstGeom prst="rect">
+            <a:avLst/>
+          </a:prstGeom>
+        </p:spPr>
+      </p:pic>
+      <p:pic>
+        <p:nvPicPr>
+          <p:cNvPr id="7" name="그림 6"/>
+          <p:cNvPicPr>
+            <a:picLocks noChangeAspect="1"/>
+          </p:cNvPicPr>
+          <p:nvPr/>
+        </p:nvPicPr>
+        <p:blipFill>
+          <a:blip r:embed="rId2"/>
+          <a:stretch>
+            <a:fillRect/>
+          </a:stretch>
+        </p:blipFill>
+        <p:spPr>
+          <a:xfrm>
+            <a:off x="3310901" y="1927309"/>
+            <a:ext cx="1121761" cy="1579001"/>
+          </a:xfrm>
+          <a:prstGeom prst="rect">
+            <a:avLst/>
+          </a:prstGeom>
+        </p:spPr>
+      </p:pic>
+      <p:sp>
+        <p:nvSpPr>
+          <p:cNvPr id="4" name="직사각형 3"/>
+          <p:cNvSpPr/>
+          <p:nvPr/>
+        </p:nvSpPr>
+        <p:spPr>
+          <a:xfrm>
+            <a:off x="1860705" y="3856777"/>
+            <a:ext cx="45719" cy="2646878"/>
+          </a:xfrm>
+          <a:prstGeom prst="rect">
+            <a:avLst/>
+          </a:prstGeom>
+          <a:noFill/>
+        </p:spPr>
+        <p:txBody>
+          <a:bodyPr wrap="square" lIns="91440" tIns="45720" rIns="91440" bIns="45720">
+            <a:spAutoFit/>
+          </a:bodyPr>
+          <a:lstStyle/>
+          <a:p>
+            <a:pPr algn="ctr"/>
+            <a:r>
+              <a:rPr lang="en-US" altLang="ko-KR" sz="16600" b="1" cap="none" spc="0" dirty="0" smtClean="0">
+                <a:ln w="13462">
+                  <a:solidFill>
+                    <a:schemeClr val="bg1"/>
+                  </a:solidFill>
+                  <a:prstDash val="solid"/>
+                </a:ln>
+                <a:solidFill>
+                  <a:schemeClr val="tx1">
+                    <a:lumMod val="85000"/>
+                    <a:lumOff val="15000"/>
+                  </a:schemeClr>
+                </a:solidFill>
+                <a:effectLst>
+                  <a:outerShdw dist="38100" dir="2700000" algn="bl" rotWithShape="0">
+                    <a:schemeClr val="accent5"/>
+                  </a:outerShdw>
+                </a:effectLst>
+              </a:rPr>
+              <a:t>P</a:t>
+            </a:r>
+            <a:endParaRPr lang="en-US" altLang="ko-KR" sz="16600" b="1" cap="none" spc="0" dirty="0">
+              <a:ln w="13462">
+                <a:solidFill>
+                  <a:schemeClr val="bg1"/>
+                </a:solidFill>
+                <a:prstDash val="solid"/>
+              </a:ln>
+              <a:solidFill>
+                <a:schemeClr val="tx1">
+                  <a:lumMod val="85000"/>
+                  <a:lumOff val="15000"/>
+                </a:schemeClr>
+              </a:solidFill>
+              <a:effectLst>
+                <a:outerShdw dist="38100" dir="2700000" algn="bl" rotWithShape="0">
+                  <a:schemeClr val="accent5"/>
+                </a:outerShdw>
+              </a:effectLst>
+            </a:endParaRPr>
+          </a:p>
+        </p:txBody>
+      </p:sp>
+      <p:sp>
+        <p:nvSpPr>
+          <p:cNvPr id="5" name="직사각형 4"/>
+          <p:cNvSpPr/>
+          <p:nvPr/>
+        </p:nvSpPr>
+        <p:spPr>
+          <a:xfrm>
+            <a:off x="1577614" y="2341170"/>
+            <a:ext cx="566181" cy="1569660"/>
+          </a:xfrm>
+          <a:prstGeom prst="rect">
+            <a:avLst/>
+          </a:prstGeom>
+        </p:spPr>
+        <p:txBody>
+          <a:bodyPr wrap="none">
+            <a:spAutoFit/>
+          </a:bodyPr>
+          <a:lstStyle/>
+          <a:p>
+            <a:pPr algn="ctr"/>
+            <a:r>
+              <a:rPr lang="en-US" altLang="ko-KR" sz="9600" b="1" dirty="0" smtClean="0">
+                <a:ln w="13462">
+                  <a:solidFill>
+                    <a:schemeClr val="bg1"/>
+                  </a:solidFill>
+                  <a:prstDash val="solid"/>
+                </a:ln>
+                <a:solidFill>
+                  <a:schemeClr val="tx1">
+                    <a:lumMod val="85000"/>
+                    <a:lumOff val="15000"/>
+                  </a:schemeClr>
+                </a:solidFill>
+                <a:effectLst>
+                  <a:outerShdw dist="38100" dir="2700000" algn="bl" rotWithShape="0">
+                    <a:schemeClr val="accent5"/>
+                  </a:outerShdw>
+                </a:effectLst>
+              </a:rPr>
+              <a:t>I</a:t>
+            </a:r>
+            <a:endParaRPr lang="en-US" altLang="ko-KR" sz="9600" b="1" dirty="0">
+              <a:ln w="13462">
+                <a:solidFill>
+                  <a:schemeClr val="bg1"/>
+                </a:solidFill>
+                <a:prstDash val="solid"/>
+              </a:ln>
+              <a:solidFill>
+                <a:schemeClr val="tx1">
+                  <a:lumMod val="85000"/>
+                  <a:lumOff val="15000"/>
+                </a:schemeClr>
+              </a:solidFill>
+              <a:effectLst>
+                <a:outerShdw dist="38100" dir="2700000" algn="bl" rotWithShape="0">
+                  <a:schemeClr val="accent5"/>
+                </a:outerShdw>
+              </a:effectLst>
+            </a:endParaRPr>
+          </a:p>
+        </p:txBody>
+      </p:sp>
+      <p:pic>
+        <p:nvPicPr>
+          <p:cNvPr id="10" name="그림 9"/>
+          <p:cNvPicPr>
+            <a:picLocks noChangeAspect="1"/>
+          </p:cNvPicPr>
+          <p:nvPr/>
+        </p:nvPicPr>
+        <p:blipFill>
+          <a:blip r:embed="rId3"/>
+          <a:stretch>
+            <a:fillRect/>
+          </a:stretch>
+        </p:blipFill>
+        <p:spPr>
+          <a:xfrm>
+            <a:off x="4120381" y="2662664"/>
+            <a:ext cx="371888" cy="926672"/>
+          </a:xfrm>
+          <a:prstGeom prst="rect">
+            <a:avLst/>
+          </a:prstGeom>
+        </p:spPr>
+      </p:pic>
+      <p:pic>
+        <p:nvPicPr>
+          <p:cNvPr id="8" name="그림 7"/>
+          <p:cNvPicPr>
+            <a:picLocks noChangeAspect="1"/>
+          </p:cNvPicPr>
+          <p:nvPr/>
+        </p:nvPicPr>
+        <p:blipFill>
+          <a:blip r:embed="rId2"/>
+          <a:stretch>
+            <a:fillRect/>
+          </a:stretch>
+        </p:blipFill>
+        <p:spPr>
+          <a:xfrm>
+            <a:off x="4499392" y="1973207"/>
+            <a:ext cx="1121761" cy="1579001"/>
+          </a:xfrm>
+          <a:prstGeom prst="rect">
+            <a:avLst/>
+          </a:prstGeom>
+        </p:spPr>
+      </p:pic>
+    </p:spTree>
+    <p:extLst>
+      <p:ext uri="{BB962C8B-B14F-4D97-AF65-F5344CB8AC3E}">
+        <p14:creationId xmlns:p14="http://schemas.microsoft.com/office/powerpoint/2010/main" val="3148467817"/>
+      </p:ext>
+    </p:extLst>
+  </p:cSld>
+  <p:clrMapOvr>
+    <a:masterClrMapping/>
+  </p:clrMapOvr>
+</p:sld>
+</file>
+
 <file path=ppt/theme/theme1.xml><?xml version="1.0" encoding="utf-8"?>
 <a:theme xmlns:a="http://schemas.openxmlformats.org/drawingml/2006/main" name="Office 테마">
   <a:themeElements>
